--- a/EndSem/2018AH04042_EndSem_Review.pptx
+++ b/EndSem/2018AH04042_EndSem_Review.pptx
@@ -5,10 +5,10 @@
     <p:sldMasterId id="2147483678" r:id="rId1"/>
   </p:sldMasterIdLst>
   <p:notesMasterIdLst>
-    <p:notesMasterId r:id="rId20"/>
+    <p:notesMasterId r:id="rId22"/>
   </p:notesMasterIdLst>
   <p:handoutMasterIdLst>
-    <p:handoutMasterId r:id="rId21"/>
+    <p:handoutMasterId r:id="rId23"/>
   </p:handoutMasterIdLst>
   <p:sldIdLst>
     <p:sldId id="256" r:id="rId2"/>
@@ -29,6 +29,8 @@
     <p:sldId id="274" r:id="rId17"/>
     <p:sldId id="275" r:id="rId18"/>
     <p:sldId id="276" r:id="rId19"/>
+    <p:sldId id="277" r:id="rId20"/>
+    <p:sldId id="278" r:id="rId21"/>
   </p:sldIdLst>
   <p:sldSz cx="12192000" cy="6858000"/>
   <p:notesSz cx="6858000" cy="9144000"/>
@@ -217,7 +219,7 @@
           <a:p>
             <a:fld id="{5986ECD6-3CAA-47D7-84AD-70E9036A2DB0}" type="datetimeFigureOut">
               <a:rPr lang="en-US" smtClean="0"/>
-              <a:t>1/10/2021</a:t>
+              <a:t>1/17/2021</a:t>
             </a:fld>
             <a:endParaRPr lang="en-US"/>
           </a:p>
@@ -387,7 +389,7 @@
           <a:p>
             <a:fld id="{1E2080E5-AFA1-4BEC-ADA5-03C5F748D1AC}" type="datetimeFigureOut">
               <a:rPr lang="en-US" smtClean="0"/>
-              <a:t>1/10/2021</a:t>
+              <a:t>1/17/2021</a:t>
             </a:fld>
             <a:endParaRPr lang="en-US"/>
           </a:p>
@@ -1100,7 +1102,7 @@
           <a:p>
             <a:fld id="{8415DB50-DBA0-41E0-B077-E6665E88B3A9}" type="datetime1">
               <a:rPr lang="en-US" smtClean="0"/>
-              <a:t>1/10/2021</a:t>
+              <a:t>1/17/2021</a:t>
             </a:fld>
             <a:endParaRPr lang="en-US"/>
           </a:p>
@@ -1312,7 +1314,7 @@
           <a:p>
             <a:fld id="{ADFC5DE0-1B1F-4B6A-B556-A174B97E878F}" type="datetime1">
               <a:rPr lang="en-US" smtClean="0"/>
-              <a:t>1/10/2021</a:t>
+              <a:t>1/17/2021</a:t>
             </a:fld>
             <a:endParaRPr lang="en-US"/>
           </a:p>
@@ -1572,7 +1574,7 @@
           <a:p>
             <a:fld id="{E38E989A-2E20-43AB-9258-32DB8F49B3B9}" type="datetime1">
               <a:rPr lang="en-US" smtClean="0"/>
-              <a:t>1/10/2021</a:t>
+              <a:t>1/17/2021</a:t>
             </a:fld>
             <a:endParaRPr lang="en-US"/>
           </a:p>
@@ -1750,7 +1752,7 @@
           <a:p>
             <a:fld id="{29E3418B-068E-44B7-8AAE-E8FD369A7A7B}" type="datetime1">
               <a:rPr lang="en-US" smtClean="0"/>
-              <a:t>1/10/2021</a:t>
+              <a:t>1/17/2021</a:t>
             </a:fld>
             <a:endParaRPr lang="en-US"/>
           </a:p>
@@ -2097,7 +2099,7 @@
           <a:p>
             <a:fld id="{54F72A23-4870-4D6E-AEF2-E20C71E8564D}" type="datetime1">
               <a:rPr lang="en-US" smtClean="0"/>
-              <a:t>1/10/2021</a:t>
+              <a:t>1/17/2021</a:t>
             </a:fld>
             <a:endParaRPr lang="en-US"/>
           </a:p>
@@ -2376,7 +2378,7 @@
           <a:p>
             <a:fld id="{A237AEB8-3497-4246-878E-068F73389B79}" type="datetime1">
               <a:rPr lang="en-US" smtClean="0"/>
-              <a:t>1/10/2021</a:t>
+              <a:t>1/17/2021</a:t>
             </a:fld>
             <a:endParaRPr lang="en-US"/>
           </a:p>
@@ -2759,7 +2761,7 @@
           <a:p>
             <a:fld id="{9702AE7D-E51C-4A63-BE0D-BFEFE733C797}" type="datetime1">
               <a:rPr lang="en-US" smtClean="0"/>
-              <a:t>1/10/2021</a:t>
+              <a:t>1/17/2021</a:t>
             </a:fld>
             <a:endParaRPr lang="en-US"/>
           </a:p>
@@ -2881,7 +2883,7 @@
           <a:p>
             <a:fld id="{CF5C3C2C-7C2F-45F9-8CC4-77608003A98B}" type="datetime1">
               <a:rPr lang="en-US" smtClean="0"/>
-              <a:t>1/10/2021</a:t>
+              <a:t>1/17/2021</a:t>
             </a:fld>
             <a:endParaRPr lang="en-US"/>
           </a:p>
@@ -3056,7 +3058,7 @@
           <a:p>
             <a:fld id="{49D9EA78-C0D8-4D47-8C89-3DD18C7F548E}" type="datetime1">
               <a:rPr lang="en-US" smtClean="0"/>
-              <a:t>1/10/2021</a:t>
+              <a:t>1/17/2021</a:t>
             </a:fld>
             <a:endParaRPr lang="en-US"/>
           </a:p>
@@ -3414,7 +3416,7 @@
           <a:p>
             <a:fld id="{D33E0231-2E71-4995-B882-1B8B76FDCE6C}" type="datetime1">
               <a:rPr lang="en-US" smtClean="0"/>
-              <a:t>1/10/2021</a:t>
+              <a:t>1/17/2021</a:t>
             </a:fld>
             <a:endParaRPr lang="en-US"/>
           </a:p>
@@ -3800,7 +3802,7 @@
           <a:p>
             <a:fld id="{EA4C2C7D-2DAD-4CAD-8B46-43FF4CCBC883}" type="datetime1">
               <a:rPr lang="en-US" smtClean="0"/>
-              <a:t>1/10/2021</a:t>
+              <a:t>1/17/2021</a:t>
             </a:fld>
             <a:endParaRPr lang="en-US"/>
           </a:p>
@@ -4091,7 +4093,7 @@
           <a:p>
             <a:fld id="{AF76F285-819F-464E-9DA0-59EDDC10CF20}" type="datetime1">
               <a:rPr lang="en-US" smtClean="0"/>
-              <a:t>1/10/2021</a:t>
+              <a:t>1/17/2021</a:t>
             </a:fld>
             <a:endParaRPr lang="en-US"/>
           </a:p>
@@ -5338,7 +5340,6 @@
               <a:rPr lang="en-US" dirty="0"/>
               <a:t>texture and calculate a local binary pattern (LBP)</a:t>
             </a:r>
-            <a:endParaRPr lang="en-US" dirty="0"/>
           </a:p>
         </p:txBody>
       </p:sp>
@@ -5591,11 +5592,7 @@
           <a:p>
             <a:r>
               <a:rPr lang="en-US" sz="4400" b="1" dirty="0" smtClean="0"/>
-              <a:t>Code</a:t>
-            </a:r>
-            <a:r>
-              <a:rPr lang="en-US" sz="4400" b="1" dirty="0" smtClean="0"/>
-              <a:t>: Implement LBP and Plot Histograms</a:t>
+              <a:t>Code: Implement LBP and Plot Histograms</a:t>
             </a:r>
             <a:endParaRPr lang="en-US" sz="4400" b="1" dirty="0"/>
           </a:p>
@@ -5745,11 +5742,7 @@
           <a:p>
             <a:r>
               <a:rPr lang="en-US" sz="4000" b="1" dirty="0"/>
-              <a:t>Result: </a:t>
-            </a:r>
-            <a:r>
-              <a:rPr lang="en-US" sz="4000" b="1" dirty="0"/>
-              <a:t>Before using a facial </a:t>
+              <a:t>Result: Before using a facial </a:t>
             </a:r>
             <a:r>
               <a:rPr lang="en-US" sz="4000" b="1" dirty="0" smtClean="0"/>
@@ -6079,11 +6072,7 @@
           <a:p>
             <a:r>
               <a:rPr lang="en-US" sz="4000" b="1" dirty="0"/>
-              <a:t>Result: </a:t>
-            </a:r>
-            <a:r>
-              <a:rPr lang="en-US" sz="4000" b="1" dirty="0"/>
-              <a:t>Before using a facial </a:t>
+              <a:t>Result: Before using a facial </a:t>
             </a:r>
             <a:r>
               <a:rPr lang="en-US" sz="4000" b="1" dirty="0" smtClean="0"/>
@@ -6244,11 +6233,7 @@
           <a:p>
             <a:r>
               <a:rPr lang="en-US" sz="4000" b="1" dirty="0"/>
-              <a:t>Result: </a:t>
-            </a:r>
-            <a:r>
-              <a:rPr lang="en-US" sz="4000" b="1" dirty="0"/>
-              <a:t>Before using a facial </a:t>
+              <a:t>Result: Before using a facial </a:t>
             </a:r>
             <a:r>
               <a:rPr lang="en-US" sz="4000" b="1" dirty="0" smtClean="0"/>
@@ -6352,6 +6337,154 @@
     <p:extLst>
       <p:ext uri="{BB962C8B-B14F-4D97-AF65-F5344CB8AC3E}">
         <p14:creationId xmlns:p14="http://schemas.microsoft.com/office/powerpoint/2010/main" val="3414602489"/>
+      </p:ext>
+    </p:extLst>
+  </p:cSld>
+  <p:clrMapOvr>
+    <a:masterClrMapping/>
+  </p:clrMapOvr>
+  <p:timing>
+    <p:tnLst>
+      <p:par>
+        <p:cTn id="1" dur="indefinite" restart="never" nodeType="tmRoot"/>
+      </p:par>
+    </p:tnLst>
+  </p:timing>
+</p:sld>
+</file>
+
+<file path=ppt/slides/slide19.xml><?xml version="1.0" encoding="utf-8"?>
+<p:sld xmlns:a="http://schemas.openxmlformats.org/drawingml/2006/main" xmlns:r="http://schemas.openxmlformats.org/officeDocument/2006/relationships" xmlns:p="http://schemas.openxmlformats.org/presentationml/2006/main">
+  <p:cSld>
+    <p:spTree>
+      <p:nvGrpSpPr>
+        <p:cNvPr id="1" name=""/>
+        <p:cNvGrpSpPr/>
+        <p:nvPr/>
+      </p:nvGrpSpPr>
+      <p:grpSpPr>
+        <a:xfrm>
+          <a:off x="0" y="0"/>
+          <a:ext cx="0" cy="0"/>
+          <a:chOff x="0" y="0"/>
+          <a:chExt cx="0" cy="0"/>
+        </a:xfrm>
+      </p:grpSpPr>
+      <p:sp>
+        <p:nvSpPr>
+          <p:cNvPr id="2" name="Title 1"/>
+          <p:cNvSpPr>
+            <a:spLocks noGrp="1"/>
+          </p:cNvSpPr>
+          <p:nvPr>
+            <p:ph type="title" idx="4294967295"/>
+          </p:nvPr>
+        </p:nvSpPr>
+        <p:spPr>
+          <a:xfrm>
+            <a:off x="139700" y="2070100"/>
+            <a:ext cx="4889500" cy="1812925"/>
+          </a:xfrm>
+        </p:spPr>
+        <p:txBody>
+          <a:bodyPr>
+            <a:noAutofit/>
+          </a:bodyPr>
+          <a:lstStyle/>
+          <a:p>
+            <a:r>
+              <a:rPr lang="en-US" sz="4000" b="1" dirty="0"/>
+              <a:t>Sample Output </a:t>
+            </a:r>
+            <a:r>
+              <a:rPr lang="en-US" sz="4000" b="1" dirty="0" err="1"/>
+              <a:t>Dataframe</a:t>
+            </a:r>
+            <a:endParaRPr lang="en-US" sz="4000" b="1" dirty="0"/>
+          </a:p>
+        </p:txBody>
+      </p:sp>
+      <p:cxnSp>
+        <p:nvCxnSpPr>
+          <p:cNvPr id="5" name="Straight Connector 4"/>
+          <p:cNvCxnSpPr/>
+          <p:nvPr/>
+        </p:nvCxnSpPr>
+        <p:spPr>
+          <a:xfrm>
+            <a:off x="5029200" y="149224"/>
+            <a:ext cx="0" cy="6035675"/>
+          </a:xfrm>
+          <a:prstGeom prst="line">
+            <a:avLst/>
+          </a:prstGeom>
+        </p:spPr>
+        <p:style>
+          <a:lnRef idx="1">
+            <a:schemeClr val="accent1"/>
+          </a:lnRef>
+          <a:fillRef idx="0">
+            <a:schemeClr val="accent1"/>
+          </a:fillRef>
+          <a:effectRef idx="0">
+            <a:schemeClr val="accent1"/>
+          </a:effectRef>
+          <a:fontRef idx="minor">
+            <a:schemeClr val="tx1"/>
+          </a:fontRef>
+        </p:style>
+      </p:cxnSp>
+      <p:sp>
+        <p:nvSpPr>
+          <p:cNvPr id="3" name="Footer Placeholder 2"/>
+          <p:cNvSpPr>
+            <a:spLocks noGrp="1"/>
+          </p:cNvSpPr>
+          <p:nvPr>
+            <p:ph type="ftr" sz="quarter" idx="11"/>
+          </p:nvPr>
+        </p:nvSpPr>
+        <p:spPr/>
+        <p:txBody>
+          <a:bodyPr/>
+          <a:lstStyle/>
+          <a:p>
+            <a:r>
+              <a:rPr lang="en-US" smtClean="0"/>
+              <a:t>NAGA KALYAN C S SARMA V (2018AH04042)</a:t>
+            </a:r>
+            <a:endParaRPr lang="en-US"/>
+          </a:p>
+        </p:txBody>
+      </p:sp>
+      <p:pic>
+        <p:nvPicPr>
+          <p:cNvPr id="6" name="Picture 5"/>
+          <p:cNvPicPr>
+            <a:picLocks noChangeAspect="1"/>
+          </p:cNvPicPr>
+          <p:nvPr/>
+        </p:nvPicPr>
+        <p:blipFill>
+          <a:blip r:embed="rId2"/>
+          <a:stretch>
+            <a:fillRect/>
+          </a:stretch>
+        </p:blipFill>
+        <p:spPr>
+          <a:xfrm>
+            <a:off x="5440613" y="1616075"/>
+            <a:ext cx="6136751" cy="2736850"/>
+          </a:xfrm>
+          <a:prstGeom prst="rect">
+            <a:avLst/>
+          </a:prstGeom>
+        </p:spPr>
+      </p:pic>
+    </p:spTree>
+    <p:extLst>
+      <p:ext uri="{BB962C8B-B14F-4D97-AF65-F5344CB8AC3E}">
+        <p14:creationId xmlns:p14="http://schemas.microsoft.com/office/powerpoint/2010/main" val="3388981441"/>
       </p:ext>
     </p:extLst>
   </p:cSld>
@@ -6488,6 +6621,156 @@
     <p:extLst>
       <p:ext uri="{BB962C8B-B14F-4D97-AF65-F5344CB8AC3E}">
         <p14:creationId xmlns:p14="http://schemas.microsoft.com/office/powerpoint/2010/main" val="2512616967"/>
+      </p:ext>
+    </p:extLst>
+  </p:cSld>
+  <p:clrMapOvr>
+    <a:masterClrMapping/>
+  </p:clrMapOvr>
+  <p:timing>
+    <p:tnLst>
+      <p:par>
+        <p:cTn id="1" dur="indefinite" restart="never" nodeType="tmRoot"/>
+      </p:par>
+    </p:tnLst>
+  </p:timing>
+</p:sld>
+</file>
+
+<file path=ppt/slides/slide20.xml><?xml version="1.0" encoding="utf-8"?>
+<p:sld xmlns:a="http://schemas.openxmlformats.org/drawingml/2006/main" xmlns:r="http://schemas.openxmlformats.org/officeDocument/2006/relationships" xmlns:p="http://schemas.openxmlformats.org/presentationml/2006/main">
+  <p:cSld>
+    <p:spTree>
+      <p:nvGrpSpPr>
+        <p:cNvPr id="1" name=""/>
+        <p:cNvGrpSpPr/>
+        <p:nvPr/>
+      </p:nvGrpSpPr>
+      <p:grpSpPr>
+        <a:xfrm>
+          <a:off x="0" y="0"/>
+          <a:ext cx="0" cy="0"/>
+          <a:chOff x="0" y="0"/>
+          <a:chExt cx="0" cy="0"/>
+        </a:xfrm>
+      </p:grpSpPr>
+      <p:sp>
+        <p:nvSpPr>
+          <p:cNvPr id="2" name="Title 1"/>
+          <p:cNvSpPr>
+            <a:spLocks noGrp="1"/>
+          </p:cNvSpPr>
+          <p:nvPr>
+            <p:ph type="title" idx="4294967295"/>
+          </p:nvPr>
+        </p:nvSpPr>
+        <p:spPr>
+          <a:xfrm>
+            <a:off x="76200" y="2070100"/>
+            <a:ext cx="3797300" cy="1812925"/>
+          </a:xfrm>
+        </p:spPr>
+        <p:txBody>
+          <a:bodyPr>
+            <a:noAutofit/>
+          </a:bodyPr>
+          <a:lstStyle/>
+          <a:p>
+            <a:r>
+              <a:rPr lang="fr-FR" sz="4000" b="1" dirty="0" err="1"/>
+              <a:t>Sample</a:t>
+            </a:r>
+            <a:r>
+              <a:rPr lang="fr-FR" sz="4000" b="1" dirty="0"/>
+              <a:t> Output Plots - Divergence </a:t>
+            </a:r>
+            <a:r>
+              <a:rPr lang="fr-FR" sz="4000" b="1" dirty="0" err="1"/>
+              <a:t>comparison</a:t>
+            </a:r>
+            <a:endParaRPr lang="en-US" sz="4000" b="1" dirty="0"/>
+          </a:p>
+        </p:txBody>
+      </p:sp>
+      <p:cxnSp>
+        <p:nvCxnSpPr>
+          <p:cNvPr id="5" name="Straight Connector 4"/>
+          <p:cNvCxnSpPr/>
+          <p:nvPr/>
+        </p:nvCxnSpPr>
+        <p:spPr>
+          <a:xfrm>
+            <a:off x="4343400" y="174624"/>
+            <a:ext cx="0" cy="6035675"/>
+          </a:xfrm>
+          <a:prstGeom prst="line">
+            <a:avLst/>
+          </a:prstGeom>
+        </p:spPr>
+        <p:style>
+          <a:lnRef idx="1">
+            <a:schemeClr val="accent1"/>
+          </a:lnRef>
+          <a:fillRef idx="0">
+            <a:schemeClr val="accent1"/>
+          </a:fillRef>
+          <a:effectRef idx="0">
+            <a:schemeClr val="accent1"/>
+          </a:effectRef>
+          <a:fontRef idx="minor">
+            <a:schemeClr val="tx1"/>
+          </a:fontRef>
+        </p:style>
+      </p:cxnSp>
+      <p:sp>
+        <p:nvSpPr>
+          <p:cNvPr id="3" name="Footer Placeholder 2"/>
+          <p:cNvSpPr>
+            <a:spLocks noGrp="1"/>
+          </p:cNvSpPr>
+          <p:nvPr>
+            <p:ph type="ftr" sz="quarter" idx="11"/>
+          </p:nvPr>
+        </p:nvSpPr>
+        <p:spPr/>
+        <p:txBody>
+          <a:bodyPr/>
+          <a:lstStyle/>
+          <a:p>
+            <a:r>
+              <a:rPr lang="en-US" smtClean="0"/>
+              <a:t>NAGA KALYAN C S SARMA V (2018AH04042)</a:t>
+            </a:r>
+            <a:endParaRPr lang="en-US"/>
+          </a:p>
+        </p:txBody>
+      </p:sp>
+      <p:pic>
+        <p:nvPicPr>
+          <p:cNvPr id="6" name="Picture 5"/>
+          <p:cNvPicPr/>
+          <p:nvPr/>
+        </p:nvPicPr>
+        <p:blipFill>
+          <a:blip r:embed="rId2"/>
+          <a:stretch>
+            <a:fillRect/>
+          </a:stretch>
+        </p:blipFill>
+        <p:spPr>
+          <a:xfrm>
+            <a:off x="4813301" y="904239"/>
+            <a:ext cx="7023093" cy="4963161"/>
+          </a:xfrm>
+          <a:prstGeom prst="rect">
+            <a:avLst/>
+          </a:prstGeom>
+        </p:spPr>
+      </p:pic>
+    </p:spTree>
+    <p:extLst>
+      <p:ext uri="{BB962C8B-B14F-4D97-AF65-F5344CB8AC3E}">
+        <p14:creationId xmlns:p14="http://schemas.microsoft.com/office/powerpoint/2010/main" val="531770060"/>
       </p:ext>
     </p:extLst>
   </p:cSld>
@@ -6725,11 +7008,7 @@
             <a:pPr lvl="2"/>
             <a:r>
               <a:rPr lang="en-US" dirty="0" smtClean="0"/>
-              <a:t>Trained </a:t>
-            </a:r>
-            <a:r>
-              <a:rPr lang="en-US" dirty="0" smtClean="0"/>
-              <a:t>a multi-layer Convolutional Neural Network from scratch by leveraging a training dataset available on public domain</a:t>
+              <a:t>Trained a multi-layer Convolutional Neural Network from scratch by leveraging a training dataset available on public domain</a:t>
             </a:r>
           </a:p>
           <a:p>
@@ -6947,11 +7226,7 @@
             <a:pPr lvl="1"/>
             <a:r>
               <a:rPr lang="en-US" dirty="0" smtClean="0"/>
-              <a:t>Libraries: Keras, OpenCV, boto3, numpy, pandas, </a:t>
-            </a:r>
-            <a:r>
-              <a:rPr lang="en-US" dirty="0" smtClean="0"/>
-              <a:t>matplotlib, </a:t>
+              <a:t>Libraries: Keras, OpenCV, boto3, numpy, pandas, matplotlib, </a:t>
             </a:r>
             <a:r>
               <a:rPr lang="en-US" dirty="0" err="1" smtClean="0"/>
@@ -6961,7 +7236,6 @@
               <a:rPr lang="en-US" dirty="0" smtClean="0"/>
               <a:t>-image</a:t>
             </a:r>
-            <a:endParaRPr lang="en-US" dirty="0" smtClean="0"/>
           </a:p>
           <a:p>
             <a:pPr lvl="1"/>
@@ -7394,12 +7668,6 @@
               </a:rPr>
               <a:t>Notebook Instance</a:t>
             </a:r>
-            <a:endParaRPr lang="en-US" sz="1000" dirty="0" smtClean="0">
-              <a:solidFill>
-                <a:srgbClr val="000000"/>
-              </a:solidFill>
-              <a:latin typeface="Arial"/>
-            </a:endParaRPr>
           </a:p>
           <a:p>
             <a:pPr algn="ctr"/>
@@ -7589,7 +7857,7 @@
           <a:blip r:embed="rId3">
             <a:extLst>
               <a:ext uri="{96DAC541-7B7A-43D3-8B79-37D633B846F1}">
-                <asvg:svgBlip xmlns="" xmlns:asvg="http://schemas.microsoft.com/office/drawing/2016/SVG/main" r:embed="rId6"/>
+                <asvg:svgBlip xmlns:asvg="http://schemas.microsoft.com/office/drawing/2016/SVG/main" xmlns="" r:embed="rId6"/>
               </a:ext>
             </a:extLst>
           </a:blip>
@@ -7929,7 +8197,7 @@
           <a:blip r:embed="rId7">
             <a:extLst>
               <a:ext uri="{96DAC541-7B7A-43D3-8B79-37D633B846F1}">
-                <asvg:svgBlip xmlns="" xmlns:asvg="http://schemas.microsoft.com/office/drawing/2016/SVG/main" r:embed="rId8"/>
+                <asvg:svgBlip xmlns:asvg="http://schemas.microsoft.com/office/drawing/2016/SVG/main" xmlns="" r:embed="rId8"/>
               </a:ext>
             </a:extLst>
           </a:blip>
@@ -9423,7 +9691,7 @@
           <a:blip r:embed="rId9">
             <a:extLst>
               <a:ext uri="{96DAC541-7B7A-43D3-8B79-37D633B846F1}">
-                <asvg:svgBlip xmlns="" xmlns:asvg="http://schemas.microsoft.com/office/drawing/2016/SVG/main" r:embed="rId17"/>
+                <asvg:svgBlip xmlns:asvg="http://schemas.microsoft.com/office/drawing/2016/SVG/main" xmlns="" r:embed="rId17"/>
               </a:ext>
             </a:extLst>
           </a:blip>
@@ -9459,7 +9727,7 @@
           <a:blip r:embed="rId18">
             <a:extLst>
               <a:ext uri="{96DAC541-7B7A-43D3-8B79-37D633B846F1}">
-                <asvg:svgBlip xmlns="" xmlns:asvg="http://schemas.microsoft.com/office/drawing/2016/SVG/main" r:embed="rId19"/>
+                <asvg:svgBlip xmlns:asvg="http://schemas.microsoft.com/office/drawing/2016/SVG/main" xmlns="" r:embed="rId19"/>
               </a:ext>
             </a:extLst>
           </a:blip>
@@ -9565,7 +9833,7 @@
           <a:blip r:embed="rId3">
             <a:extLst>
               <a:ext uri="{96DAC541-7B7A-43D3-8B79-37D633B846F1}">
-                <asvg:svgBlip xmlns="" xmlns:asvg="http://schemas.microsoft.com/office/drawing/2016/SVG/main" r:embed="rId6"/>
+                <asvg:svgBlip xmlns:asvg="http://schemas.microsoft.com/office/drawing/2016/SVG/main" xmlns="" r:embed="rId6"/>
               </a:ext>
             </a:extLst>
           </a:blip>
@@ -9937,7 +10205,7 @@
           <a:blip r:embed="rId18">
             <a:extLst>
               <a:ext uri="{96DAC541-7B7A-43D3-8B79-37D633B846F1}">
-                <asvg:svgBlip xmlns="" xmlns:asvg="http://schemas.microsoft.com/office/drawing/2016/SVG/main" r:embed="rId19"/>
+                <asvg:svgBlip xmlns:asvg="http://schemas.microsoft.com/office/drawing/2016/SVG/main" xmlns="" r:embed="rId19"/>
               </a:ext>
             </a:extLst>
           </a:blip>
@@ -9973,7 +10241,7 @@
           <a:blip r:embed="rId21">
             <a:extLst>
               <a:ext uri="{96DAC541-7B7A-43D3-8B79-37D633B846F1}">
-                <asvg:svgBlip xmlns:asvg="http://schemas.microsoft.com/office/drawing/2016/SVG/main" xmlns="" r:embed="rId31"/>
+                <asvg:svgBlip xmlns="" xmlns:asvg="http://schemas.microsoft.com/office/drawing/2016/SVG/main" r:embed="rId31"/>
               </a:ext>
             </a:extLst>
           </a:blip>
@@ -10731,16 +10999,7 @@
                 </a:solidFill>
                 <a:latin typeface="Arial"/>
               </a:rPr>
-              <a:t>changes</a:t>
-            </a:r>
-            <a:r>
-              <a:rPr lang="en-US" sz="900" dirty="0" smtClean="0">
-                <a:solidFill>
-                  <a:srgbClr val="000000"/>
-                </a:solidFill>
-                <a:latin typeface="Arial"/>
-              </a:rPr>
-              <a:t>)</a:t>
+              <a:t>changes)</a:t>
             </a:r>
             <a:endParaRPr lang="en-US" sz="1200" dirty="0">
               <a:solidFill>
@@ -11486,16 +11745,7 @@
                 </a:solidFill>
                 <a:latin typeface="Arial"/>
               </a:rPr>
-              <a:t>changes</a:t>
-            </a:r>
-            <a:r>
-              <a:rPr lang="en-US" sz="900" dirty="0" smtClean="0">
-                <a:solidFill>
-                  <a:srgbClr val="000000"/>
-                </a:solidFill>
-                <a:latin typeface="Arial"/>
-              </a:rPr>
-              <a:t>)</a:t>
+              <a:t>changes)</a:t>
             </a:r>
             <a:endParaRPr lang="en-US" sz="1200" dirty="0">
               <a:solidFill>

--- a/EndSem/2018AH04042_EndSem_Review.pptx
+++ b/EndSem/2018AH04042_EndSem_Review.pptx
@@ -5,10 +5,10 @@
     <p:sldMasterId id="2147483678" r:id="rId1"/>
   </p:sldMasterIdLst>
   <p:notesMasterIdLst>
-    <p:notesMasterId r:id="rId22"/>
+    <p:notesMasterId r:id="rId23"/>
   </p:notesMasterIdLst>
   <p:handoutMasterIdLst>
-    <p:handoutMasterId r:id="rId23"/>
+    <p:handoutMasterId r:id="rId24"/>
   </p:handoutMasterIdLst>
   <p:sldIdLst>
     <p:sldId id="256" r:id="rId2"/>
@@ -23,14 +23,15 @@
     <p:sldId id="266" r:id="rId11"/>
     <p:sldId id="268" r:id="rId12"/>
     <p:sldId id="270" r:id="rId13"/>
-    <p:sldId id="271" r:id="rId14"/>
-    <p:sldId id="273" r:id="rId15"/>
-    <p:sldId id="272" r:id="rId16"/>
-    <p:sldId id="274" r:id="rId17"/>
-    <p:sldId id="275" r:id="rId18"/>
-    <p:sldId id="276" r:id="rId19"/>
-    <p:sldId id="277" r:id="rId20"/>
-    <p:sldId id="278" r:id="rId21"/>
+    <p:sldId id="279" r:id="rId14"/>
+    <p:sldId id="271" r:id="rId15"/>
+    <p:sldId id="273" r:id="rId16"/>
+    <p:sldId id="272" r:id="rId17"/>
+    <p:sldId id="274" r:id="rId18"/>
+    <p:sldId id="275" r:id="rId19"/>
+    <p:sldId id="276" r:id="rId20"/>
+    <p:sldId id="277" r:id="rId21"/>
+    <p:sldId id="278" r:id="rId22"/>
   </p:sldIdLst>
   <p:sldSz cx="12192000" cy="6858000"/>
   <p:notesSz cx="6858000" cy="9144000"/>
@@ -219,7 +220,7 @@
           <a:p>
             <a:fld id="{5986ECD6-3CAA-47D7-84AD-70E9036A2DB0}" type="datetimeFigureOut">
               <a:rPr lang="en-US" smtClean="0"/>
-              <a:t>1/17/2021</a:t>
+              <a:t>2/6/2021</a:t>
             </a:fld>
             <a:endParaRPr lang="en-US"/>
           </a:p>
@@ -389,7 +390,7 @@
           <a:p>
             <a:fld id="{1E2080E5-AFA1-4BEC-ADA5-03C5F748D1AC}" type="datetimeFigureOut">
               <a:rPr lang="en-US" smtClean="0"/>
-              <a:t>1/17/2021</a:t>
+              <a:t>2/6/2021</a:t>
             </a:fld>
             <a:endParaRPr lang="en-US"/>
           </a:p>
@@ -876,6 +877,113 @@
 </p:notes>
 </file>
 
+<file path=ppt/notesSlides/notesSlide3.xml><?xml version="1.0" encoding="utf-8"?>
+<p:notes xmlns:a="http://schemas.openxmlformats.org/drawingml/2006/main" xmlns:r="http://schemas.openxmlformats.org/officeDocument/2006/relationships" xmlns:p="http://schemas.openxmlformats.org/presentationml/2006/main">
+  <p:cSld>
+    <p:spTree>
+      <p:nvGrpSpPr>
+        <p:cNvPr id="1" name=""/>
+        <p:cNvGrpSpPr/>
+        <p:nvPr/>
+      </p:nvGrpSpPr>
+      <p:grpSpPr>
+        <a:xfrm>
+          <a:off x="0" y="0"/>
+          <a:ext cx="0" cy="0"/>
+          <a:chOff x="0" y="0"/>
+          <a:chExt cx="0" cy="0"/>
+        </a:xfrm>
+      </p:grpSpPr>
+      <p:sp>
+        <p:nvSpPr>
+          <p:cNvPr id="2" name="Slide Image Placeholder 1"/>
+          <p:cNvSpPr>
+            <a:spLocks noGrp="1" noRot="1" noChangeAspect="1"/>
+          </p:cNvSpPr>
+          <p:nvPr>
+            <p:ph type="sldImg"/>
+          </p:nvPr>
+        </p:nvSpPr>
+        <p:spPr/>
+      </p:sp>
+      <p:sp>
+        <p:nvSpPr>
+          <p:cNvPr id="3" name="Notes Placeholder 2"/>
+          <p:cNvSpPr>
+            <a:spLocks noGrp="1"/>
+          </p:cNvSpPr>
+          <p:nvPr>
+            <p:ph type="body" idx="1"/>
+          </p:nvPr>
+        </p:nvSpPr>
+        <p:spPr/>
+        <p:txBody>
+          <a:bodyPr/>
+          <a:lstStyle/>
+          <a:p>
+            <a:endParaRPr lang="en-US" dirty="0"/>
+          </a:p>
+        </p:txBody>
+      </p:sp>
+      <p:sp>
+        <p:nvSpPr>
+          <p:cNvPr id="4" name="Slide Number Placeholder 3"/>
+          <p:cNvSpPr>
+            <a:spLocks noGrp="1"/>
+          </p:cNvSpPr>
+          <p:nvPr>
+            <p:ph type="sldNum" sz="quarter" idx="10"/>
+          </p:nvPr>
+        </p:nvSpPr>
+        <p:spPr/>
+        <p:txBody>
+          <a:bodyPr/>
+          <a:lstStyle/>
+          <a:p>
+            <a:fld id="{F95F62F3-B6F3-4A8B-9B0D-6C01C112877F}" type="slidenum">
+              <a:rPr lang="en-US" smtClean="0"/>
+              <a:t>13</a:t>
+            </a:fld>
+            <a:endParaRPr lang="en-US"/>
+          </a:p>
+        </p:txBody>
+      </p:sp>
+      <p:sp>
+        <p:nvSpPr>
+          <p:cNvPr id="5" name="Footer Placeholder 4"/>
+          <p:cNvSpPr>
+            <a:spLocks noGrp="1"/>
+          </p:cNvSpPr>
+          <p:nvPr>
+            <p:ph type="ftr" sz="quarter" idx="11"/>
+          </p:nvPr>
+        </p:nvSpPr>
+        <p:spPr/>
+        <p:txBody>
+          <a:bodyPr/>
+          <a:lstStyle/>
+          <a:p>
+            <a:r>
+              <a:rPr lang="en-US" smtClean="0"/>
+              <a:t>NAGA KALYAN C S SARMA V (2018AH04042)</a:t>
+            </a:r>
+            <a:endParaRPr lang="en-US"/>
+          </a:p>
+        </p:txBody>
+      </p:sp>
+    </p:spTree>
+    <p:extLst>
+      <p:ext uri="{BB962C8B-B14F-4D97-AF65-F5344CB8AC3E}">
+        <p14:creationId xmlns:p14="http://schemas.microsoft.com/office/powerpoint/2010/main" val="2308701879"/>
+      </p:ext>
+    </p:extLst>
+  </p:cSld>
+  <p:clrMapOvr>
+    <a:masterClrMapping/>
+  </p:clrMapOvr>
+</p:notes>
+</file>
+
 <file path=ppt/slideLayouts/slideLayout1.xml><?xml version="1.0" encoding="utf-8"?>
 <p:sldLayout xmlns:a="http://schemas.openxmlformats.org/drawingml/2006/main" xmlns:r="http://schemas.openxmlformats.org/officeDocument/2006/relationships" xmlns:p="http://schemas.openxmlformats.org/presentationml/2006/main" showMasterSp="0" type="title" preserve="1">
   <p:cSld name="Title Slide">
@@ -1102,7 +1210,7 @@
           <a:p>
             <a:fld id="{8415DB50-DBA0-41E0-B077-E6665E88B3A9}" type="datetime1">
               <a:rPr lang="en-US" smtClean="0"/>
-              <a:t>1/17/2021</a:t>
+              <a:t>2/6/2021</a:t>
             </a:fld>
             <a:endParaRPr lang="en-US"/>
           </a:p>
@@ -1314,7 +1422,7 @@
           <a:p>
             <a:fld id="{ADFC5DE0-1B1F-4B6A-B556-A174B97E878F}" type="datetime1">
               <a:rPr lang="en-US" smtClean="0"/>
-              <a:t>1/17/2021</a:t>
+              <a:t>2/6/2021</a:t>
             </a:fld>
             <a:endParaRPr lang="en-US"/>
           </a:p>
@@ -1574,7 +1682,7 @@
           <a:p>
             <a:fld id="{E38E989A-2E20-43AB-9258-32DB8F49B3B9}" type="datetime1">
               <a:rPr lang="en-US" smtClean="0"/>
-              <a:t>1/17/2021</a:t>
+              <a:t>2/6/2021</a:t>
             </a:fld>
             <a:endParaRPr lang="en-US"/>
           </a:p>
@@ -1752,7 +1860,7 @@
           <a:p>
             <a:fld id="{29E3418B-068E-44B7-8AAE-E8FD369A7A7B}" type="datetime1">
               <a:rPr lang="en-US" smtClean="0"/>
-              <a:t>1/17/2021</a:t>
+              <a:t>2/6/2021</a:t>
             </a:fld>
             <a:endParaRPr lang="en-US"/>
           </a:p>
@@ -2099,7 +2207,7 @@
           <a:p>
             <a:fld id="{54F72A23-4870-4D6E-AEF2-E20C71E8564D}" type="datetime1">
               <a:rPr lang="en-US" smtClean="0"/>
-              <a:t>1/17/2021</a:t>
+              <a:t>2/6/2021</a:t>
             </a:fld>
             <a:endParaRPr lang="en-US"/>
           </a:p>
@@ -2378,7 +2486,7 @@
           <a:p>
             <a:fld id="{A237AEB8-3497-4246-878E-068F73389B79}" type="datetime1">
               <a:rPr lang="en-US" smtClean="0"/>
-              <a:t>1/17/2021</a:t>
+              <a:t>2/6/2021</a:t>
             </a:fld>
             <a:endParaRPr lang="en-US"/>
           </a:p>
@@ -2761,7 +2869,7 @@
           <a:p>
             <a:fld id="{9702AE7D-E51C-4A63-BE0D-BFEFE733C797}" type="datetime1">
               <a:rPr lang="en-US" smtClean="0"/>
-              <a:t>1/17/2021</a:t>
+              <a:t>2/6/2021</a:t>
             </a:fld>
             <a:endParaRPr lang="en-US"/>
           </a:p>
@@ -2883,7 +2991,7 @@
           <a:p>
             <a:fld id="{CF5C3C2C-7C2F-45F9-8CC4-77608003A98B}" type="datetime1">
               <a:rPr lang="en-US" smtClean="0"/>
-              <a:t>1/17/2021</a:t>
+              <a:t>2/6/2021</a:t>
             </a:fld>
             <a:endParaRPr lang="en-US"/>
           </a:p>
@@ -3058,7 +3166,7 @@
           <a:p>
             <a:fld id="{49D9EA78-C0D8-4D47-8C89-3DD18C7F548E}" type="datetime1">
               <a:rPr lang="en-US" smtClean="0"/>
-              <a:t>1/17/2021</a:t>
+              <a:t>2/6/2021</a:t>
             </a:fld>
             <a:endParaRPr lang="en-US"/>
           </a:p>
@@ -3416,7 +3524,7 @@
           <a:p>
             <a:fld id="{D33E0231-2E71-4995-B882-1B8B76FDCE6C}" type="datetime1">
               <a:rPr lang="en-US" smtClean="0"/>
-              <a:t>1/17/2021</a:t>
+              <a:t>2/6/2021</a:t>
             </a:fld>
             <a:endParaRPr lang="en-US"/>
           </a:p>
@@ -3802,7 +3910,7 @@
           <a:p>
             <a:fld id="{EA4C2C7D-2DAD-4CAD-8B46-43FF4CCBC883}" type="datetime1">
               <a:rPr lang="en-US" smtClean="0"/>
-              <a:t>1/17/2021</a:t>
+              <a:t>2/6/2021</a:t>
             </a:fld>
             <a:endParaRPr lang="en-US"/>
           </a:p>
@@ -4093,7 +4201,7 @@
           <a:p>
             <a:fld id="{AF76F285-819F-464E-9DA0-59EDDC10CF20}" type="datetime1">
               <a:rPr lang="en-US" smtClean="0"/>
-              <a:t>1/17/2021</a:t>
+              <a:t>2/6/2021</a:t>
             </a:fld>
             <a:endParaRPr lang="en-US"/>
           </a:p>
@@ -5422,8 +5530,8 @@
         </p:nvSpPr>
         <p:spPr>
           <a:xfrm>
-            <a:off x="330200" y="1841500"/>
-            <a:ext cx="5397500" cy="1698625"/>
+            <a:off x="3558475" y="127000"/>
+            <a:ext cx="4976812" cy="581282"/>
           </a:xfrm>
         </p:spPr>
         <p:txBody>
@@ -5432,32 +5540,147 @@
           </a:bodyPr>
           <a:lstStyle/>
           <a:p>
-            <a:r>
-              <a:rPr lang="en-US" sz="4400" b="1" dirty="0" smtClean="0"/>
-              <a:t>Code</a:t>
-            </a:r>
-            <a:r>
-              <a:rPr lang="en-US" sz="4400" b="1" dirty="0"/>
-              <a:t>: </a:t>
-            </a:r>
-            <a:r>
-              <a:rPr lang="en-US" sz="4400" b="1" dirty="0" smtClean="0"/>
-              <a:t>Libraries &amp; Helper Functions</a:t>
-            </a:r>
-            <a:endParaRPr lang="en-US" sz="4400" b="1" dirty="0"/>
+            <a:pPr algn="ctr"/>
+            <a:r>
+              <a:rPr lang="en-US" sz="2800" b="1" dirty="0" smtClean="0"/>
+              <a:t>Local Binary Patterns</a:t>
+            </a:r>
+            <a:endParaRPr lang="en-US" sz="2800" b="1" dirty="0"/>
+          </a:p>
+        </p:txBody>
+      </p:sp>
+      <p:sp>
+        <p:nvSpPr>
+          <p:cNvPr id="3" name="Rectangle 2"/>
+          <p:cNvSpPr/>
+          <p:nvPr/>
+        </p:nvSpPr>
+        <p:spPr>
+          <a:xfrm>
+            <a:off x="7156174" y="911739"/>
+            <a:ext cx="4758901" cy="3385542"/>
+          </a:xfrm>
+          <a:prstGeom prst="rect">
+            <a:avLst/>
+          </a:prstGeom>
+        </p:spPr>
+        <p:txBody>
+          <a:bodyPr wrap="square">
+            <a:spAutoFit/>
+          </a:bodyPr>
+          <a:lstStyle/>
+          <a:p>
+            <a:pPr fontAlgn="base"/>
+            <a:r>
+              <a:rPr lang="en-US" b="1" dirty="0" smtClean="0"/>
+              <a:t>Uniform combinations:</a:t>
+            </a:r>
+            <a:r>
+              <a:rPr lang="en-US" dirty="0" smtClean="0"/>
+              <a:t> Considering p=8, </a:t>
+            </a:r>
+            <a:r>
+              <a:rPr lang="en-US" dirty="0"/>
+              <a:t>there are 9 </a:t>
+            </a:r>
+            <a:r>
+              <a:rPr lang="en-US" dirty="0" smtClean="0"/>
+              <a:t>unique </a:t>
+            </a:r>
+            <a:r>
+              <a:rPr lang="en-US" dirty="0"/>
+              <a:t>uniform combinations</a:t>
+            </a:r>
+            <a:r>
+              <a:rPr lang="en-US" dirty="0" smtClean="0"/>
+              <a:t>:</a:t>
+            </a:r>
+          </a:p>
+          <a:p>
+            <a:pPr fontAlgn="base"/>
+            <a:r>
+              <a:rPr lang="en-US" dirty="0" smtClean="0"/>
+              <a:t>00000000</a:t>
+            </a:r>
+            <a:endParaRPr lang="en-US" dirty="0"/>
+          </a:p>
+          <a:p>
+            <a:pPr fontAlgn="base"/>
+            <a:r>
+              <a:rPr lang="en-US" dirty="0"/>
+              <a:t>00000001</a:t>
+            </a:r>
+          </a:p>
+          <a:p>
+            <a:pPr fontAlgn="base"/>
+            <a:r>
+              <a:rPr lang="en-US" dirty="0"/>
+              <a:t>00000011</a:t>
+            </a:r>
+          </a:p>
+          <a:p>
+            <a:pPr fontAlgn="base"/>
+            <a:r>
+              <a:rPr lang="en-US" dirty="0"/>
+              <a:t>00000111</a:t>
+            </a:r>
+          </a:p>
+          <a:p>
+            <a:pPr fontAlgn="base"/>
+            <a:r>
+              <a:rPr lang="en-US" dirty="0"/>
+              <a:t>00001111</a:t>
+            </a:r>
+          </a:p>
+          <a:p>
+            <a:pPr fontAlgn="base"/>
+            <a:r>
+              <a:rPr lang="en-US" dirty="0"/>
+              <a:t>00011111</a:t>
+            </a:r>
+          </a:p>
+          <a:p>
+            <a:pPr fontAlgn="base"/>
+            <a:r>
+              <a:rPr lang="en-US" dirty="0"/>
+              <a:t>00111111</a:t>
+            </a:r>
+          </a:p>
+          <a:p>
+            <a:pPr fontAlgn="base"/>
+            <a:r>
+              <a:rPr lang="en-US" dirty="0"/>
+              <a:t>01111111</a:t>
+            </a:r>
+          </a:p>
+          <a:p>
+            <a:pPr fontAlgn="base"/>
+            <a:r>
+              <a:rPr lang="en-US" dirty="0"/>
+              <a:t>11111111</a:t>
+            </a:r>
+          </a:p>
+          <a:p>
+            <a:endParaRPr lang="en-US" sz="1600" b="0" i="0" dirty="0">
+              <a:solidFill>
+                <a:srgbClr val="202122"/>
+              </a:solidFill>
+              <a:effectLst/>
+              <a:latin typeface="Arial" panose="020B0604020202020204" pitchFamily="34" charset="0"/>
+            </a:endParaRPr>
           </a:p>
         </p:txBody>
       </p:sp>
       <p:cxnSp>
         <p:nvCxnSpPr>
-          <p:cNvPr id="5" name="Straight Connector 4"/>
+          <p:cNvPr id="66" name="Straight Connector 65"/>
           <p:cNvCxnSpPr/>
           <p:nvPr/>
         </p:nvCxnSpPr>
         <p:spPr>
-          <a:xfrm>
-            <a:off x="5842000" y="149225"/>
-            <a:ext cx="0" cy="6035675"/>
+          <a:xfrm flipH="1">
+            <a:off x="6905008" y="927099"/>
+            <a:ext cx="12700" cy="5277492"/>
           </a:xfrm>
           <a:prstGeom prst="line">
             <a:avLst/>
@@ -5478,63 +5701,174 @@
           </a:fontRef>
         </p:style>
       </p:cxnSp>
-      <p:sp>
-        <p:nvSpPr>
-          <p:cNvPr id="4" name="Footer Placeholder 3"/>
-          <p:cNvSpPr>
-            <a:spLocks noGrp="1"/>
-          </p:cNvSpPr>
-          <p:nvPr>
-            <p:ph type="ftr" sz="quarter" idx="11"/>
-          </p:nvPr>
-        </p:nvSpPr>
-        <p:spPr/>
-        <p:txBody>
-          <a:bodyPr/>
-          <a:lstStyle/>
-          <a:p>
-            <a:r>
-              <a:rPr lang="en-US" smtClean="0"/>
-              <a:t>NAGA KALYAN C S SARMA V (2018AH04042)</a:t>
-            </a:r>
-            <a:endParaRPr lang="en-US"/>
-          </a:p>
-        </p:txBody>
-      </p:sp>
       <p:pic>
         <p:nvPicPr>
-          <p:cNvPr id="6" name="Picture 5"/>
+          <p:cNvPr id="4" name="Picture 2" descr="../../_images/sphx_glr_plot_local_binary_pattern_001.png"/>
           <p:cNvPicPr>
-            <a:picLocks noChangeAspect="1"/>
+            <a:picLocks noChangeAspect="1" noChangeArrowheads="1"/>
           </p:cNvPicPr>
           <p:nvPr/>
         </p:nvPicPr>
         <p:blipFill>
-          <a:blip r:embed="rId2">
+          <a:blip r:embed="rId3">
             <a:extLst>
               <a:ext uri="{28A0092B-C50C-407E-A947-70E740481C1C}">
                 <a14:useLocalDpi xmlns:a14="http://schemas.microsoft.com/office/drawing/2010/main" val="0"/>
               </a:ext>
             </a:extLst>
           </a:blip>
+          <a:srcRect/>
           <a:stretch>
             <a:fillRect/>
           </a:stretch>
         </p:blipFill>
-        <p:spPr>
-          <a:xfrm>
-            <a:off x="6097587" y="1301873"/>
-            <a:ext cx="5905500" cy="3093357"/>
+        <p:spPr bwMode="auto">
+          <a:xfrm>
+            <a:off x="6937586" y="4500738"/>
+            <a:ext cx="5254414" cy="1501261"/>
           </a:xfrm>
           <a:prstGeom prst="rect">
             <a:avLst/>
           </a:prstGeom>
+          <a:noFill/>
+          <a:extLst>
+            <a:ext uri="{909E8E84-426E-40DD-AFC4-6F175D3DCCD1}">
+              <a14:hiddenFill xmlns:a14="http://schemas.microsoft.com/office/drawing/2010/main">
+                <a:solidFill>
+                  <a:srgbClr val="FFFFFF"/>
+                </a:solidFill>
+              </a14:hiddenFill>
+            </a:ext>
+          </a:extLst>
+        </p:spPr>
+      </p:pic>
+      <p:pic>
+        <p:nvPicPr>
+          <p:cNvPr id="1028" name="Picture 4" descr="Figure 2: Taking the 8-bit binary neighborhood of the center pixel and converting it into a decimal representation. (Thanks to Hanzra Tech for the inspiration on this visualization!)"/>
+          <p:cNvPicPr>
+            <a:picLocks noChangeAspect="1" noChangeArrowheads="1"/>
+          </p:cNvPicPr>
+          <p:nvPr/>
+        </p:nvPicPr>
+        <p:blipFill>
+          <a:blip r:embed="rId4">
+            <a:extLst>
+              <a:ext uri="{28A0092B-C50C-407E-A947-70E740481C1C}">
+                <a14:useLocalDpi xmlns:a14="http://schemas.microsoft.com/office/drawing/2010/main" val="0"/>
+              </a:ext>
+            </a:extLst>
+          </a:blip>
+          <a:srcRect/>
+          <a:stretch>
+            <a:fillRect/>
+          </a:stretch>
+        </p:blipFill>
+        <p:spPr bwMode="auto">
+          <a:xfrm>
+            <a:off x="91061" y="943929"/>
+            <a:ext cx="6389252" cy="1863532"/>
+          </a:xfrm>
+          <a:prstGeom prst="rect">
+            <a:avLst/>
+          </a:prstGeom>
+          <a:noFill/>
+          <a:extLst>
+            <a:ext uri="{909E8E84-426E-40DD-AFC4-6F175D3DCCD1}">
+              <a14:hiddenFill xmlns:a14="http://schemas.microsoft.com/office/drawing/2010/main">
+                <a:solidFill>
+                  <a:srgbClr val="FFFFFF"/>
+                </a:solidFill>
+              </a14:hiddenFill>
+            </a:ext>
+          </a:extLst>
+        </p:spPr>
+      </p:pic>
+      <p:pic>
+        <p:nvPicPr>
+          <p:cNvPr id="1030" name="Picture 6" descr="Figure 3: The calculated LBP value is then stored in an output array with the same width and height as the original image."/>
+          <p:cNvPicPr>
+            <a:picLocks noChangeAspect="1" noChangeArrowheads="1"/>
+          </p:cNvPicPr>
+          <p:nvPr/>
+        </p:nvPicPr>
+        <p:blipFill>
+          <a:blip r:embed="rId5" cstate="print">
+            <a:extLst>
+              <a:ext uri="{28A0092B-C50C-407E-A947-70E740481C1C}">
+                <a14:useLocalDpi xmlns:a14="http://schemas.microsoft.com/office/drawing/2010/main" val="0"/>
+              </a:ext>
+            </a:extLst>
+          </a:blip>
+          <a:srcRect/>
+          <a:stretch>
+            <a:fillRect/>
+          </a:stretch>
+        </p:blipFill>
+        <p:spPr bwMode="auto">
+          <a:xfrm>
+            <a:off x="394416" y="3861916"/>
+            <a:ext cx="2521064" cy="1277643"/>
+          </a:xfrm>
+          <a:prstGeom prst="rect">
+            <a:avLst/>
+          </a:prstGeom>
+          <a:noFill/>
+          <a:extLst>
+            <a:ext uri="{909E8E84-426E-40DD-AFC4-6F175D3DCCD1}">
+              <a14:hiddenFill xmlns:a14="http://schemas.microsoft.com/office/drawing/2010/main">
+                <a:solidFill>
+                  <a:srgbClr val="FFFFFF"/>
+                </a:solidFill>
+              </a14:hiddenFill>
+            </a:ext>
+          </a:extLst>
+        </p:spPr>
+      </p:pic>
+      <p:pic>
+        <p:nvPicPr>
+          <p:cNvPr id="1032" name="Picture 8" descr="Figure 4: An example of computing the LBP representation (right) from the original input image (left)."/>
+          <p:cNvPicPr>
+            <a:picLocks noChangeAspect="1" noChangeArrowheads="1"/>
+          </p:cNvPicPr>
+          <p:nvPr/>
+        </p:nvPicPr>
+        <p:blipFill>
+          <a:blip r:embed="rId6" cstate="print">
+            <a:extLst>
+              <a:ext uri="{28A0092B-C50C-407E-A947-70E740481C1C}">
+                <a14:useLocalDpi xmlns:a14="http://schemas.microsoft.com/office/drawing/2010/main" val="0"/>
+              </a:ext>
+            </a:extLst>
+          </a:blip>
+          <a:srcRect/>
+          <a:stretch>
+            <a:fillRect/>
+          </a:stretch>
+        </p:blipFill>
+        <p:spPr bwMode="auto">
+          <a:xfrm>
+            <a:off x="3219426" y="3565845"/>
+            <a:ext cx="3321188" cy="1937360"/>
+          </a:xfrm>
+          <a:prstGeom prst="rect">
+            <a:avLst/>
+          </a:prstGeom>
+          <a:noFill/>
+          <a:extLst>
+            <a:ext uri="{909E8E84-426E-40DD-AFC4-6F175D3DCCD1}">
+              <a14:hiddenFill xmlns:a14="http://schemas.microsoft.com/office/drawing/2010/main">
+                <a:solidFill>
+                  <a:srgbClr val="FFFFFF"/>
+                </a:solidFill>
+              </a14:hiddenFill>
+            </a:ext>
+          </a:extLst>
         </p:spPr>
       </p:pic>
     </p:spTree>
     <p:extLst>
       <p:ext uri="{BB962C8B-B14F-4D97-AF65-F5344CB8AC3E}">
-        <p14:creationId xmlns:p14="http://schemas.microsoft.com/office/powerpoint/2010/main" val="3015614654"/>
+        <p14:creationId xmlns:p14="http://schemas.microsoft.com/office/powerpoint/2010/main" val="1688697398"/>
       </p:ext>
     </p:extLst>
   </p:cSld>
@@ -5592,7 +5926,15 @@
           <a:p>
             <a:r>
               <a:rPr lang="en-US" sz="4400" b="1" dirty="0" smtClean="0"/>
-              <a:t>Code: Implement LBP and Plot Histograms</a:t>
+              <a:t>Code</a:t>
+            </a:r>
+            <a:r>
+              <a:rPr lang="en-US" sz="4400" b="1" dirty="0"/>
+              <a:t>: </a:t>
+            </a:r>
+            <a:r>
+              <a:rPr lang="en-US" sz="4400" b="1" dirty="0" smtClean="0"/>
+              <a:t>Libraries &amp; Helper Functions</a:t>
             </a:r>
             <a:endParaRPr lang="en-US" sz="4400" b="1" dirty="0"/>
           </a:p>
@@ -5653,7 +5995,7 @@
       </p:sp>
       <p:pic>
         <p:nvPicPr>
-          <p:cNvPr id="3" name="Picture 2"/>
+          <p:cNvPr id="6" name="Picture 5"/>
           <p:cNvPicPr>
             <a:picLocks noChangeAspect="1"/>
           </p:cNvPicPr>
@@ -5673,8 +6015,8 @@
         </p:blipFill>
         <p:spPr>
           <a:xfrm>
-            <a:off x="6356350" y="315912"/>
-            <a:ext cx="4991100" cy="5514975"/>
+            <a:off x="6097587" y="1301873"/>
+            <a:ext cx="5905500" cy="3093357"/>
           </a:xfrm>
           <a:prstGeom prst="rect">
             <a:avLst/>
@@ -5684,7 +6026,7 @@
     </p:spTree>
     <p:extLst>
       <p:ext uri="{BB962C8B-B14F-4D97-AF65-F5344CB8AC3E}">
-        <p14:creationId xmlns:p14="http://schemas.microsoft.com/office/powerpoint/2010/main" val="1388776241"/>
+        <p14:creationId xmlns:p14="http://schemas.microsoft.com/office/powerpoint/2010/main" val="3015614654"/>
       </p:ext>
     </p:extLst>
   </p:cSld>
@@ -5730,8 +6072,8 @@
         </p:nvSpPr>
         <p:spPr>
           <a:xfrm>
-            <a:off x="139700" y="2070100"/>
-            <a:ext cx="4889500" cy="1812925"/>
+            <a:off x="330200" y="1841500"/>
+            <a:ext cx="5397500" cy="1698625"/>
           </a:xfrm>
         </p:spPr>
         <p:txBody>
@@ -5741,21 +6083,10 @@
           <a:lstStyle/>
           <a:p>
             <a:r>
-              <a:rPr lang="en-US" sz="4000" b="1" dirty="0"/>
-              <a:t>Result: Before using a facial </a:t>
-            </a:r>
-            <a:r>
-              <a:rPr lang="en-US" sz="4000" b="1" dirty="0" smtClean="0"/>
-              <a:t>cream </a:t>
-            </a:r>
-            <a:br>
-              <a:rPr lang="en-US" sz="4000" b="1" dirty="0" smtClean="0"/>
-            </a:br>
-            <a:r>
-              <a:rPr lang="en-US" sz="4000" b="1" dirty="0" smtClean="0"/>
-              <a:t>(Participant 1)</a:t>
-            </a:r>
-            <a:endParaRPr lang="en-US" sz="4000" b="1" dirty="0"/>
+              <a:rPr lang="en-US" sz="4400" b="1" dirty="0" smtClean="0"/>
+              <a:t>Code: Implement LBP and Plot Histograms</a:t>
+            </a:r>
+            <a:endParaRPr lang="en-US" sz="4400" b="1" dirty="0"/>
           </a:p>
         </p:txBody>
       </p:sp>
@@ -5767,7 +6098,7 @@
         </p:nvCxnSpPr>
         <p:spPr>
           <a:xfrm>
-            <a:off x="5029200" y="149224"/>
+            <a:off x="5842000" y="149225"/>
             <a:ext cx="0" cy="6035675"/>
           </a:xfrm>
           <a:prstGeom prst="line">
@@ -5791,7 +6122,7 @@
       </p:cxnSp>
       <p:sp>
         <p:nvSpPr>
-          <p:cNvPr id="3" name="Footer Placeholder 2"/>
+          <p:cNvPr id="4" name="Footer Placeholder 3"/>
           <p:cNvSpPr>
             <a:spLocks noGrp="1"/>
           </p:cNvSpPr>
@@ -5814,7 +6145,7 @@
       </p:sp>
       <p:pic>
         <p:nvPicPr>
-          <p:cNvPr id="6" name="Picture 5"/>
+          <p:cNvPr id="3" name="Picture 2"/>
           <p:cNvPicPr>
             <a:picLocks noChangeAspect="1"/>
           </p:cNvPicPr>
@@ -5834,8 +6165,8 @@
         </p:blipFill>
         <p:spPr>
           <a:xfrm>
-            <a:off x="5108031" y="776286"/>
-            <a:ext cx="7033212" cy="4532314"/>
+            <a:off x="6356350" y="315912"/>
+            <a:ext cx="4991100" cy="5514975"/>
           </a:xfrm>
           <a:prstGeom prst="rect">
             <a:avLst/>
@@ -5845,7 +6176,7 @@
     </p:spTree>
     <p:extLst>
       <p:ext uri="{BB962C8B-B14F-4D97-AF65-F5344CB8AC3E}">
-        <p14:creationId xmlns:p14="http://schemas.microsoft.com/office/powerpoint/2010/main" val="3853551190"/>
+        <p14:creationId xmlns:p14="http://schemas.microsoft.com/office/powerpoint/2010/main" val="1388776241"/>
       </p:ext>
     </p:extLst>
   </p:cSld>
@@ -5903,15 +6234,7 @@
           <a:p>
             <a:r>
               <a:rPr lang="en-US" sz="4000" b="1" dirty="0"/>
-              <a:t>Result: </a:t>
-            </a:r>
-            <a:r>
-              <a:rPr lang="en-US" sz="4000" b="1" dirty="0" smtClean="0"/>
-              <a:t>After </a:t>
-            </a:r>
-            <a:r>
-              <a:rPr lang="en-US" sz="4000" b="1" dirty="0"/>
-              <a:t>using a facial </a:t>
+              <a:t>Result: Before using a facial </a:t>
             </a:r>
             <a:r>
               <a:rPr lang="en-US" sz="4000" b="1" dirty="0" smtClean="0"/>
@@ -5983,7 +6306,7 @@
       </p:sp>
       <p:pic>
         <p:nvPicPr>
-          <p:cNvPr id="7" name="Picture 6"/>
+          <p:cNvPr id="6" name="Picture 5"/>
           <p:cNvPicPr>
             <a:picLocks noChangeAspect="1"/>
           </p:cNvPicPr>
@@ -6003,8 +6326,8 @@
         </p:blipFill>
         <p:spPr>
           <a:xfrm>
-            <a:off x="5162284" y="990599"/>
-            <a:ext cx="6921766" cy="4519611"/>
+            <a:off x="5108031" y="776286"/>
+            <a:ext cx="7033212" cy="4532314"/>
           </a:xfrm>
           <a:prstGeom prst="rect">
             <a:avLst/>
@@ -6014,7 +6337,7 @@
     </p:spTree>
     <p:extLst>
       <p:ext uri="{BB962C8B-B14F-4D97-AF65-F5344CB8AC3E}">
-        <p14:creationId xmlns:p14="http://schemas.microsoft.com/office/powerpoint/2010/main" val="2840308350"/>
+        <p14:creationId xmlns:p14="http://schemas.microsoft.com/office/powerpoint/2010/main" val="3853551190"/>
       </p:ext>
     </p:extLst>
   </p:cSld>
@@ -6072,7 +6395,15 @@
           <a:p>
             <a:r>
               <a:rPr lang="en-US" sz="4000" b="1" dirty="0"/>
-              <a:t>Result: Before using a facial </a:t>
+              <a:t>Result: </a:t>
+            </a:r>
+            <a:r>
+              <a:rPr lang="en-US" sz="4000" b="1" dirty="0" smtClean="0"/>
+              <a:t>After </a:t>
+            </a:r>
+            <a:r>
+              <a:rPr lang="en-US" sz="4000" b="1" dirty="0"/>
+              <a:t>using a facial </a:t>
             </a:r>
             <a:r>
               <a:rPr lang="en-US" sz="4000" b="1" dirty="0" smtClean="0"/>
@@ -6083,7 +6414,7 @@
             </a:br>
             <a:r>
               <a:rPr lang="en-US" sz="4000" b="1" dirty="0" smtClean="0"/>
-              <a:t>(Participant 2)</a:t>
+              <a:t>(Participant 1)</a:t>
             </a:r>
             <a:endParaRPr lang="en-US" sz="4000" b="1" dirty="0"/>
           </a:p>
@@ -6164,8 +6495,8 @@
         </p:blipFill>
         <p:spPr>
           <a:xfrm>
-            <a:off x="5165621" y="967580"/>
-            <a:ext cx="6920005" cy="4398962"/>
+            <a:off x="5162284" y="990599"/>
+            <a:ext cx="6921766" cy="4519611"/>
           </a:xfrm>
           <a:prstGeom prst="rect">
             <a:avLst/>
@@ -6175,7 +6506,7 @@
     </p:spTree>
     <p:extLst>
       <p:ext uri="{BB962C8B-B14F-4D97-AF65-F5344CB8AC3E}">
-        <p14:creationId xmlns:p14="http://schemas.microsoft.com/office/powerpoint/2010/main" val="4183707763"/>
+        <p14:creationId xmlns:p14="http://schemas.microsoft.com/office/powerpoint/2010/main" val="2840308350"/>
       </p:ext>
     </p:extLst>
   </p:cSld>
@@ -6305,7 +6636,7 @@
       </p:sp>
       <p:pic>
         <p:nvPicPr>
-          <p:cNvPr id="4" name="Picture 3"/>
+          <p:cNvPr id="7" name="Picture 6"/>
           <p:cNvPicPr>
             <a:picLocks noChangeAspect="1"/>
           </p:cNvPicPr>
@@ -6325,8 +6656,8 @@
         </p:blipFill>
         <p:spPr>
           <a:xfrm>
-            <a:off x="5145088" y="753064"/>
-            <a:ext cx="7046912" cy="4446995"/>
+            <a:off x="5165621" y="967580"/>
+            <a:ext cx="6920005" cy="4398962"/>
           </a:xfrm>
           <a:prstGeom prst="rect">
             <a:avLst/>
@@ -6336,7 +6667,7 @@
     </p:spTree>
     <p:extLst>
       <p:ext uri="{BB962C8B-B14F-4D97-AF65-F5344CB8AC3E}">
-        <p14:creationId xmlns:p14="http://schemas.microsoft.com/office/powerpoint/2010/main" val="3414602489"/>
+        <p14:creationId xmlns:p14="http://schemas.microsoft.com/office/powerpoint/2010/main" val="4183707763"/>
       </p:ext>
     </p:extLst>
   </p:cSld>
@@ -6394,11 +6725,18 @@
           <a:p>
             <a:r>
               <a:rPr lang="en-US" sz="4000" b="1" dirty="0"/>
-              <a:t>Sample Output </a:t>
-            </a:r>
-            <a:r>
-              <a:rPr lang="en-US" sz="4000" b="1" dirty="0" err="1"/>
-              <a:t>Dataframe</a:t>
+              <a:t>Result: Before using a facial </a:t>
+            </a:r>
+            <a:r>
+              <a:rPr lang="en-US" sz="4000" b="1" dirty="0" smtClean="0"/>
+              <a:t>cream </a:t>
+            </a:r>
+            <a:br>
+              <a:rPr lang="en-US" sz="4000" b="1" dirty="0" smtClean="0"/>
+            </a:br>
+            <a:r>
+              <a:rPr lang="en-US" sz="4000" b="1" dirty="0" smtClean="0"/>
+              <a:t>(Participant 2)</a:t>
             </a:r>
             <a:endParaRPr lang="en-US" sz="4000" b="1" dirty="0"/>
           </a:p>
@@ -6459,22 +6797,28 @@
       </p:sp>
       <p:pic>
         <p:nvPicPr>
-          <p:cNvPr id="6" name="Picture 5"/>
+          <p:cNvPr id="4" name="Picture 3"/>
           <p:cNvPicPr>
             <a:picLocks noChangeAspect="1"/>
           </p:cNvPicPr>
           <p:nvPr/>
         </p:nvPicPr>
         <p:blipFill>
-          <a:blip r:embed="rId2"/>
+          <a:blip r:embed="rId2">
+            <a:extLst>
+              <a:ext uri="{28A0092B-C50C-407E-A947-70E740481C1C}">
+                <a14:useLocalDpi xmlns:a14="http://schemas.microsoft.com/office/drawing/2010/main" val="0"/>
+              </a:ext>
+            </a:extLst>
+          </a:blip>
           <a:stretch>
             <a:fillRect/>
           </a:stretch>
         </p:blipFill>
         <p:spPr>
           <a:xfrm>
-            <a:off x="5440613" y="1616075"/>
-            <a:ext cx="6136751" cy="2736850"/>
+            <a:off x="5145088" y="753064"/>
+            <a:ext cx="7046912" cy="4446995"/>
           </a:xfrm>
           <a:prstGeom prst="rect">
             <a:avLst/>
@@ -6484,7 +6828,7 @@
     </p:spTree>
     <p:extLst>
       <p:ext uri="{BB962C8B-B14F-4D97-AF65-F5344CB8AC3E}">
-        <p14:creationId xmlns:p14="http://schemas.microsoft.com/office/powerpoint/2010/main" val="3388981441"/>
+        <p14:creationId xmlns:p14="http://schemas.microsoft.com/office/powerpoint/2010/main" val="3414602489"/>
       </p:ext>
     </p:extLst>
   </p:cSld>
@@ -6638,6 +6982,154 @@
 </file>
 
 <file path=ppt/slides/slide20.xml><?xml version="1.0" encoding="utf-8"?>
+<p:sld xmlns:a="http://schemas.openxmlformats.org/drawingml/2006/main" xmlns:r="http://schemas.openxmlformats.org/officeDocument/2006/relationships" xmlns:p="http://schemas.openxmlformats.org/presentationml/2006/main">
+  <p:cSld>
+    <p:spTree>
+      <p:nvGrpSpPr>
+        <p:cNvPr id="1" name=""/>
+        <p:cNvGrpSpPr/>
+        <p:nvPr/>
+      </p:nvGrpSpPr>
+      <p:grpSpPr>
+        <a:xfrm>
+          <a:off x="0" y="0"/>
+          <a:ext cx="0" cy="0"/>
+          <a:chOff x="0" y="0"/>
+          <a:chExt cx="0" cy="0"/>
+        </a:xfrm>
+      </p:grpSpPr>
+      <p:sp>
+        <p:nvSpPr>
+          <p:cNvPr id="2" name="Title 1"/>
+          <p:cNvSpPr>
+            <a:spLocks noGrp="1"/>
+          </p:cNvSpPr>
+          <p:nvPr>
+            <p:ph type="title" idx="4294967295"/>
+          </p:nvPr>
+        </p:nvSpPr>
+        <p:spPr>
+          <a:xfrm>
+            <a:off x="139700" y="2070100"/>
+            <a:ext cx="4889500" cy="1812925"/>
+          </a:xfrm>
+        </p:spPr>
+        <p:txBody>
+          <a:bodyPr>
+            <a:noAutofit/>
+          </a:bodyPr>
+          <a:lstStyle/>
+          <a:p>
+            <a:r>
+              <a:rPr lang="en-US" sz="4000" b="1" dirty="0"/>
+              <a:t>Sample Output </a:t>
+            </a:r>
+            <a:r>
+              <a:rPr lang="en-US" sz="4000" b="1" dirty="0" err="1"/>
+              <a:t>Dataframe</a:t>
+            </a:r>
+            <a:endParaRPr lang="en-US" sz="4000" b="1" dirty="0"/>
+          </a:p>
+        </p:txBody>
+      </p:sp>
+      <p:cxnSp>
+        <p:nvCxnSpPr>
+          <p:cNvPr id="5" name="Straight Connector 4"/>
+          <p:cNvCxnSpPr/>
+          <p:nvPr/>
+        </p:nvCxnSpPr>
+        <p:spPr>
+          <a:xfrm>
+            <a:off x="5029200" y="149224"/>
+            <a:ext cx="0" cy="6035675"/>
+          </a:xfrm>
+          <a:prstGeom prst="line">
+            <a:avLst/>
+          </a:prstGeom>
+        </p:spPr>
+        <p:style>
+          <a:lnRef idx="1">
+            <a:schemeClr val="accent1"/>
+          </a:lnRef>
+          <a:fillRef idx="0">
+            <a:schemeClr val="accent1"/>
+          </a:fillRef>
+          <a:effectRef idx="0">
+            <a:schemeClr val="accent1"/>
+          </a:effectRef>
+          <a:fontRef idx="minor">
+            <a:schemeClr val="tx1"/>
+          </a:fontRef>
+        </p:style>
+      </p:cxnSp>
+      <p:sp>
+        <p:nvSpPr>
+          <p:cNvPr id="3" name="Footer Placeholder 2"/>
+          <p:cNvSpPr>
+            <a:spLocks noGrp="1"/>
+          </p:cNvSpPr>
+          <p:nvPr>
+            <p:ph type="ftr" sz="quarter" idx="11"/>
+          </p:nvPr>
+        </p:nvSpPr>
+        <p:spPr/>
+        <p:txBody>
+          <a:bodyPr/>
+          <a:lstStyle/>
+          <a:p>
+            <a:r>
+              <a:rPr lang="en-US" smtClean="0"/>
+              <a:t>NAGA KALYAN C S SARMA V (2018AH04042)</a:t>
+            </a:r>
+            <a:endParaRPr lang="en-US"/>
+          </a:p>
+        </p:txBody>
+      </p:sp>
+      <p:pic>
+        <p:nvPicPr>
+          <p:cNvPr id="6" name="Picture 5"/>
+          <p:cNvPicPr>
+            <a:picLocks noChangeAspect="1"/>
+          </p:cNvPicPr>
+          <p:nvPr/>
+        </p:nvPicPr>
+        <p:blipFill>
+          <a:blip r:embed="rId2"/>
+          <a:stretch>
+            <a:fillRect/>
+          </a:stretch>
+        </p:blipFill>
+        <p:spPr>
+          <a:xfrm>
+            <a:off x="5440613" y="1616075"/>
+            <a:ext cx="6136751" cy="2736850"/>
+          </a:xfrm>
+          <a:prstGeom prst="rect">
+            <a:avLst/>
+          </a:prstGeom>
+        </p:spPr>
+      </p:pic>
+    </p:spTree>
+    <p:extLst>
+      <p:ext uri="{BB962C8B-B14F-4D97-AF65-F5344CB8AC3E}">
+        <p14:creationId xmlns:p14="http://schemas.microsoft.com/office/powerpoint/2010/main" val="3388981441"/>
+      </p:ext>
+    </p:extLst>
+  </p:cSld>
+  <p:clrMapOvr>
+    <a:masterClrMapping/>
+  </p:clrMapOvr>
+  <p:timing>
+    <p:tnLst>
+      <p:par>
+        <p:cTn id="1" dur="indefinite" restart="never" nodeType="tmRoot"/>
+      </p:par>
+    </p:tnLst>
+  </p:timing>
+</p:sld>
+</file>
+
+<file path=ppt/slides/slide21.xml><?xml version="1.0" encoding="utf-8"?>
 <p:sld xmlns:a="http://schemas.openxmlformats.org/drawingml/2006/main" xmlns:r="http://schemas.openxmlformats.org/officeDocument/2006/relationships" xmlns:p="http://schemas.openxmlformats.org/presentationml/2006/main">
   <p:cSld>
     <p:spTree>
@@ -7857,7 +8349,7 @@
           <a:blip r:embed="rId3">
             <a:extLst>
               <a:ext uri="{96DAC541-7B7A-43D3-8B79-37D633B846F1}">
-                <asvg:svgBlip xmlns:asvg="http://schemas.microsoft.com/office/drawing/2016/SVG/main" xmlns="" r:embed="rId6"/>
+                <asvg:svgBlip xmlns="" xmlns:asvg="http://schemas.microsoft.com/office/drawing/2016/SVG/main" r:embed="rId6"/>
               </a:ext>
             </a:extLst>
           </a:blip>
@@ -8197,7 +8689,7 @@
           <a:blip r:embed="rId7">
             <a:extLst>
               <a:ext uri="{96DAC541-7B7A-43D3-8B79-37D633B846F1}">
-                <asvg:svgBlip xmlns:asvg="http://schemas.microsoft.com/office/drawing/2016/SVG/main" xmlns="" r:embed="rId8"/>
+                <asvg:svgBlip xmlns="" xmlns:asvg="http://schemas.microsoft.com/office/drawing/2016/SVG/main" r:embed="rId8"/>
               </a:ext>
             </a:extLst>
           </a:blip>
@@ -9691,7 +10183,7 @@
           <a:blip r:embed="rId9">
             <a:extLst>
               <a:ext uri="{96DAC541-7B7A-43D3-8B79-37D633B846F1}">
-                <asvg:svgBlip xmlns:asvg="http://schemas.microsoft.com/office/drawing/2016/SVG/main" xmlns="" r:embed="rId17"/>
+                <asvg:svgBlip xmlns="" xmlns:asvg="http://schemas.microsoft.com/office/drawing/2016/SVG/main" r:embed="rId17"/>
               </a:ext>
             </a:extLst>
           </a:blip>
@@ -9727,7 +10219,7 @@
           <a:blip r:embed="rId18">
             <a:extLst>
               <a:ext uri="{96DAC541-7B7A-43D3-8B79-37D633B846F1}">
-                <asvg:svgBlip xmlns:asvg="http://schemas.microsoft.com/office/drawing/2016/SVG/main" xmlns="" r:embed="rId19"/>
+                <asvg:svgBlip xmlns="" xmlns:asvg="http://schemas.microsoft.com/office/drawing/2016/SVG/main" r:embed="rId19"/>
               </a:ext>
             </a:extLst>
           </a:blip>
@@ -9833,7 +10325,7 @@
           <a:blip r:embed="rId3">
             <a:extLst>
               <a:ext uri="{96DAC541-7B7A-43D3-8B79-37D633B846F1}">
-                <asvg:svgBlip xmlns:asvg="http://schemas.microsoft.com/office/drawing/2016/SVG/main" xmlns="" r:embed="rId6"/>
+                <asvg:svgBlip xmlns="" xmlns:asvg="http://schemas.microsoft.com/office/drawing/2016/SVG/main" r:embed="rId6"/>
               </a:ext>
             </a:extLst>
           </a:blip>
@@ -10205,7 +10697,7 @@
           <a:blip r:embed="rId18">
             <a:extLst>
               <a:ext uri="{96DAC541-7B7A-43D3-8B79-37D633B846F1}">
-                <asvg:svgBlip xmlns:asvg="http://schemas.microsoft.com/office/drawing/2016/SVG/main" xmlns="" r:embed="rId19"/>
+                <asvg:svgBlip xmlns="" xmlns:asvg="http://schemas.microsoft.com/office/drawing/2016/SVG/main" r:embed="rId19"/>
               </a:ext>
             </a:extLst>
           </a:blip>
@@ -10241,7 +10733,7 @@
           <a:blip r:embed="rId21">
             <a:extLst>
               <a:ext uri="{96DAC541-7B7A-43D3-8B79-37D633B846F1}">
-                <asvg:svgBlip xmlns="" xmlns:asvg="http://schemas.microsoft.com/office/drawing/2016/SVG/main" r:embed="rId31"/>
+                <asvg:svgBlip xmlns:asvg="http://schemas.microsoft.com/office/drawing/2016/SVG/main" xmlns="" r:embed="rId31"/>
               </a:ext>
             </a:extLst>
           </a:blip>

--- a/EndSem/2018AH04042_EndSem_Review.pptx
+++ b/EndSem/2018AH04042_EndSem_Review.pptx
@@ -6725,7 +6725,15 @@
           <a:p>
             <a:r>
               <a:rPr lang="en-US" sz="4000" b="1" dirty="0"/>
-              <a:t>Result: Before using a facial </a:t>
+              <a:t>Result: </a:t>
+            </a:r>
+            <a:r>
+              <a:rPr lang="en-US" sz="4000" b="1" dirty="0" smtClean="0"/>
+              <a:t>After </a:t>
+            </a:r>
+            <a:r>
+              <a:rPr lang="en-US" sz="4000" b="1" dirty="0"/>
+              <a:t>using a facial </a:t>
             </a:r>
             <a:r>
               <a:rPr lang="en-US" sz="4000" b="1" dirty="0" smtClean="0"/>
@@ -8349,7 +8357,7 @@
           <a:blip r:embed="rId3">
             <a:extLst>
               <a:ext uri="{96DAC541-7B7A-43D3-8B79-37D633B846F1}">
-                <asvg:svgBlip xmlns="" xmlns:asvg="http://schemas.microsoft.com/office/drawing/2016/SVG/main" r:embed="rId6"/>
+                <asvg:svgBlip xmlns:asvg="http://schemas.microsoft.com/office/drawing/2016/SVG/main" xmlns="" r:embed="rId6"/>
               </a:ext>
             </a:extLst>
           </a:blip>
@@ -8689,7 +8697,7 @@
           <a:blip r:embed="rId7">
             <a:extLst>
               <a:ext uri="{96DAC541-7B7A-43D3-8B79-37D633B846F1}">
-                <asvg:svgBlip xmlns="" xmlns:asvg="http://schemas.microsoft.com/office/drawing/2016/SVG/main" r:embed="rId8"/>
+                <asvg:svgBlip xmlns:asvg="http://schemas.microsoft.com/office/drawing/2016/SVG/main" xmlns="" r:embed="rId8"/>
               </a:ext>
             </a:extLst>
           </a:blip>
@@ -10183,7 +10191,7 @@
           <a:blip r:embed="rId9">
             <a:extLst>
               <a:ext uri="{96DAC541-7B7A-43D3-8B79-37D633B846F1}">
-                <asvg:svgBlip xmlns="" xmlns:asvg="http://schemas.microsoft.com/office/drawing/2016/SVG/main" r:embed="rId17"/>
+                <asvg:svgBlip xmlns:asvg="http://schemas.microsoft.com/office/drawing/2016/SVG/main" xmlns="" r:embed="rId17"/>
               </a:ext>
             </a:extLst>
           </a:blip>
@@ -10219,7 +10227,7 @@
           <a:blip r:embed="rId18">
             <a:extLst>
               <a:ext uri="{96DAC541-7B7A-43D3-8B79-37D633B846F1}">
-                <asvg:svgBlip xmlns="" xmlns:asvg="http://schemas.microsoft.com/office/drawing/2016/SVG/main" r:embed="rId19"/>
+                <asvg:svgBlip xmlns:asvg="http://schemas.microsoft.com/office/drawing/2016/SVG/main" xmlns="" r:embed="rId19"/>
               </a:ext>
             </a:extLst>
           </a:blip>
@@ -10325,7 +10333,7 @@
           <a:blip r:embed="rId3">
             <a:extLst>
               <a:ext uri="{96DAC541-7B7A-43D3-8B79-37D633B846F1}">
-                <asvg:svgBlip xmlns="" xmlns:asvg="http://schemas.microsoft.com/office/drawing/2016/SVG/main" r:embed="rId6"/>
+                <asvg:svgBlip xmlns:asvg="http://schemas.microsoft.com/office/drawing/2016/SVG/main" xmlns="" r:embed="rId6"/>
               </a:ext>
             </a:extLst>
           </a:blip>
@@ -10697,7 +10705,7 @@
           <a:blip r:embed="rId18">
             <a:extLst>
               <a:ext uri="{96DAC541-7B7A-43D3-8B79-37D633B846F1}">
-                <asvg:svgBlip xmlns="" xmlns:asvg="http://schemas.microsoft.com/office/drawing/2016/SVG/main" r:embed="rId19"/>
+                <asvg:svgBlip xmlns:asvg="http://schemas.microsoft.com/office/drawing/2016/SVG/main" xmlns="" r:embed="rId19"/>
               </a:ext>
             </a:extLst>
           </a:blip>
@@ -10733,7 +10741,7 @@
           <a:blip r:embed="rId21">
             <a:extLst>
               <a:ext uri="{96DAC541-7B7A-43D3-8B79-37D633B846F1}">
-                <asvg:svgBlip xmlns:asvg="http://schemas.microsoft.com/office/drawing/2016/SVG/main" xmlns="" r:embed="rId31"/>
+                <asvg:svgBlip xmlns="" xmlns:asvg="http://schemas.microsoft.com/office/drawing/2016/SVG/main" r:embed="rId31"/>
               </a:ext>
             </a:extLst>
           </a:blip>
